--- a/PowerShell_DogFood.pptx
+++ b/PowerShell_DogFood.pptx
@@ -137,6 +137,14 @@
     </p:ext>
   </p:extLst>
 </p:presentation>
+</file>
+
+<file path=ppt/revisionInfo.xml><?xml version="1.0" encoding="utf-8"?>
+<p1510:revInfo xmlns:a="http://schemas.openxmlformats.org/drawingml/2006/main" xmlns:r="http://schemas.openxmlformats.org/officeDocument/2006/relationships" xmlns:p1510="http://schemas.microsoft.com/office/powerpoint/2015/10/main">
+  <p1510:revLst>
+    <p1510:client id="{AF7F41A0-0A1C-4E80-83C5-A2990A32D7AE}" v="1" dt="2023-03-17T12:38:14.533"/>
+  </p1510:revLst>
+</p1510:revInfo>
 </file>
 
 <file path=ppt/changesInfos/changesInfo1.xml><?xml version="1.0" encoding="utf-8"?>
@@ -561,10 +569,40 @@
   <pc:docChgLst>
     <pc:chgData name="Tim Fox" userId="11778d00-b776-46cf-846b-c3177a19a59d" providerId="ADAL" clId="{AF7F41A0-0A1C-4E80-83C5-A2990A32D7AE}"/>
     <pc:docChg chg="modSld">
-      <pc:chgData name="Tim Fox" userId="11778d00-b776-46cf-846b-c3177a19a59d" providerId="ADAL" clId="{AF7F41A0-0A1C-4E80-83C5-A2990A32D7AE}" dt="2023-03-01T14:21:38.753" v="13" actId="6549"/>
+      <pc:chgData name="Tim Fox" userId="11778d00-b776-46cf-846b-c3177a19a59d" providerId="ADAL" clId="{AF7F41A0-0A1C-4E80-83C5-A2990A32D7AE}" dt="2023-03-17T16:35:04.895" v="43" actId="20577"/>
       <pc:docMkLst>
         <pc:docMk/>
       </pc:docMkLst>
+      <pc:sldChg chg="modSp mod">
+        <pc:chgData name="Tim Fox" userId="11778d00-b776-46cf-846b-c3177a19a59d" providerId="ADAL" clId="{AF7F41A0-0A1C-4E80-83C5-A2990A32D7AE}" dt="2023-03-17T12:34:56.306" v="39" actId="20577"/>
+        <pc:sldMkLst>
+          <pc:docMk/>
+          <pc:sldMk cId="3055559399" sldId="256"/>
+        </pc:sldMkLst>
+        <pc:spChg chg="mod">
+          <ac:chgData name="Tim Fox" userId="11778d00-b776-46cf-846b-c3177a19a59d" providerId="ADAL" clId="{AF7F41A0-0A1C-4E80-83C5-A2990A32D7AE}" dt="2023-03-17T12:34:56.306" v="39" actId="20577"/>
+          <ac:spMkLst>
+            <pc:docMk/>
+            <pc:sldMk cId="3055559399" sldId="256"/>
+            <ac:spMk id="3" creationId="{00000000-0000-0000-0000-000000000000}"/>
+          </ac:spMkLst>
+        </pc:spChg>
+      </pc:sldChg>
+      <pc:sldChg chg="modSp mod">
+        <pc:chgData name="Tim Fox" userId="11778d00-b776-46cf-846b-c3177a19a59d" providerId="ADAL" clId="{AF7F41A0-0A1C-4E80-83C5-A2990A32D7AE}" dt="2023-03-17T16:34:47.512" v="41" actId="20577"/>
+        <pc:sldMkLst>
+          <pc:docMk/>
+          <pc:sldMk cId="2508639494" sldId="257"/>
+        </pc:sldMkLst>
+        <pc:spChg chg="mod">
+          <ac:chgData name="Tim Fox" userId="11778d00-b776-46cf-846b-c3177a19a59d" providerId="ADAL" clId="{AF7F41A0-0A1C-4E80-83C5-A2990A32D7AE}" dt="2023-03-17T16:34:47.512" v="41" actId="20577"/>
+          <ac:spMkLst>
+            <pc:docMk/>
+            <pc:sldMk cId="2508639494" sldId="257"/>
+            <ac:spMk id="2" creationId="{00000000-0000-0000-0000-000000000000}"/>
+          </ac:spMkLst>
+        </pc:spChg>
+      </pc:sldChg>
       <pc:sldChg chg="modSp mod">
         <pc:chgData name="Tim Fox" userId="11778d00-b776-46cf-846b-c3177a19a59d" providerId="ADAL" clId="{AF7F41A0-0A1C-4E80-83C5-A2990A32D7AE}" dt="2023-03-01T14:19:01.142" v="12" actId="6549"/>
         <pc:sldMkLst>
@@ -576,6 +614,21 @@
           <ac:spMkLst>
             <pc:docMk/>
             <pc:sldMk cId="258360952" sldId="266"/>
+            <ac:spMk id="2" creationId="{00000000-0000-0000-0000-000000000000}"/>
+          </ac:spMkLst>
+        </pc:spChg>
+      </pc:sldChg>
+      <pc:sldChg chg="modSp mod">
+        <pc:chgData name="Tim Fox" userId="11778d00-b776-46cf-846b-c3177a19a59d" providerId="ADAL" clId="{AF7F41A0-0A1C-4E80-83C5-A2990A32D7AE}" dt="2023-03-17T16:35:04.895" v="43" actId="20577"/>
+        <pc:sldMkLst>
+          <pc:docMk/>
+          <pc:sldMk cId="2528740758" sldId="273"/>
+        </pc:sldMkLst>
+        <pc:spChg chg="mod">
+          <ac:chgData name="Tim Fox" userId="11778d00-b776-46cf-846b-c3177a19a59d" providerId="ADAL" clId="{AF7F41A0-0A1C-4E80-83C5-A2990A32D7AE}" dt="2023-03-17T16:35:04.895" v="43" actId="20577"/>
+          <ac:spMkLst>
+            <pc:docMk/>
+            <pc:sldMk cId="2528740758" sldId="273"/>
             <ac:spMk id="2" creationId="{00000000-0000-0000-0000-000000000000}"/>
           </ac:spMkLst>
         </pc:spChg>
@@ -759,7 +812,7 @@
           <a:p>
             <a:fld id="{EBB1EDE4-EBC1-44BD-AB94-72613FE76A8B}" type="datetimeFigureOut">
               <a:rPr lang="en-US" smtClean="0"/>
-              <a:t>3/1/2023</a:t>
+              <a:t>3/17/2023</a:t>
             </a:fld>
             <a:endParaRPr lang="en-US"/>
           </a:p>
@@ -927,7 +980,7 @@
           <a:p>
             <a:fld id="{EBB1EDE4-EBC1-44BD-AB94-72613FE76A8B}" type="datetimeFigureOut">
               <a:rPr lang="en-US" smtClean="0"/>
-              <a:t>3/1/2023</a:t>
+              <a:t>3/17/2023</a:t>
             </a:fld>
             <a:endParaRPr lang="en-US"/>
           </a:p>
@@ -1105,7 +1158,7 @@
           <a:p>
             <a:fld id="{EBB1EDE4-EBC1-44BD-AB94-72613FE76A8B}" type="datetimeFigureOut">
               <a:rPr lang="en-US" smtClean="0"/>
-              <a:t>3/1/2023</a:t>
+              <a:t>3/17/2023</a:t>
             </a:fld>
             <a:endParaRPr lang="en-US"/>
           </a:p>
@@ -1273,7 +1326,7 @@
           <a:p>
             <a:fld id="{EBB1EDE4-EBC1-44BD-AB94-72613FE76A8B}" type="datetimeFigureOut">
               <a:rPr lang="en-US" smtClean="0"/>
-              <a:t>3/1/2023</a:t>
+              <a:t>3/17/2023</a:t>
             </a:fld>
             <a:endParaRPr lang="en-US"/>
           </a:p>
@@ -1518,7 +1571,7 @@
           <a:p>
             <a:fld id="{EBB1EDE4-EBC1-44BD-AB94-72613FE76A8B}" type="datetimeFigureOut">
               <a:rPr lang="en-US" smtClean="0"/>
-              <a:t>3/1/2023</a:t>
+              <a:t>3/17/2023</a:t>
             </a:fld>
             <a:endParaRPr lang="en-US"/>
           </a:p>
@@ -1747,7 +1800,7 @@
           <a:p>
             <a:fld id="{EBB1EDE4-EBC1-44BD-AB94-72613FE76A8B}" type="datetimeFigureOut">
               <a:rPr lang="en-US" smtClean="0"/>
-              <a:t>3/1/2023</a:t>
+              <a:t>3/17/2023</a:t>
             </a:fld>
             <a:endParaRPr lang="en-US"/>
           </a:p>
@@ -2111,7 +2164,7 @@
           <a:p>
             <a:fld id="{EBB1EDE4-EBC1-44BD-AB94-72613FE76A8B}" type="datetimeFigureOut">
               <a:rPr lang="en-US" smtClean="0"/>
-              <a:t>3/1/2023</a:t>
+              <a:t>3/17/2023</a:t>
             </a:fld>
             <a:endParaRPr lang="en-US"/>
           </a:p>
@@ -2228,7 +2281,7 @@
           <a:p>
             <a:fld id="{EBB1EDE4-EBC1-44BD-AB94-72613FE76A8B}" type="datetimeFigureOut">
               <a:rPr lang="en-US" smtClean="0"/>
-              <a:t>3/1/2023</a:t>
+              <a:t>3/17/2023</a:t>
             </a:fld>
             <a:endParaRPr lang="en-US"/>
           </a:p>
@@ -2323,7 +2376,7 @@
           <a:p>
             <a:fld id="{EBB1EDE4-EBC1-44BD-AB94-72613FE76A8B}" type="datetimeFigureOut">
               <a:rPr lang="en-US" smtClean="0"/>
-              <a:t>3/1/2023</a:t>
+              <a:t>3/17/2023</a:t>
             </a:fld>
             <a:endParaRPr lang="en-US"/>
           </a:p>
@@ -2598,7 +2651,7 @@
           <a:p>
             <a:fld id="{EBB1EDE4-EBC1-44BD-AB94-72613FE76A8B}" type="datetimeFigureOut">
               <a:rPr lang="en-US" smtClean="0"/>
-              <a:t>3/1/2023</a:t>
+              <a:t>3/17/2023</a:t>
             </a:fld>
             <a:endParaRPr lang="en-US"/>
           </a:p>
@@ -2850,7 +2903,7 @@
           <a:p>
             <a:fld id="{EBB1EDE4-EBC1-44BD-AB94-72613FE76A8B}" type="datetimeFigureOut">
               <a:rPr lang="en-US" smtClean="0"/>
-              <a:t>3/1/2023</a:t>
+              <a:t>3/17/2023</a:t>
             </a:fld>
             <a:endParaRPr lang="en-US"/>
           </a:p>
@@ -3071,7 +3124,7 @@
           <a:p>
             <a:fld id="{EBB1EDE4-EBC1-44BD-AB94-72613FE76A8B}" type="datetimeFigureOut">
               <a:rPr lang="en-US" smtClean="0"/>
-              <a:t>3/1/2023</a:t>
+              <a:t>3/17/2023</a:t>
             </a:fld>
             <a:endParaRPr lang="en-US"/>
           </a:p>
@@ -3525,7 +3578,7 @@
           <a:p>
             <a:r>
               <a:rPr lang="en-US" dirty="0"/>
-              <a:t>With a Focus on Active Directory, and some other tips</a:t>
+              <a:t>With Active Directory heavy examples, and some other tips</a:t>
             </a:r>
           </a:p>
         </p:txBody>
@@ -7605,10 +7658,8 @@
               <a:buChar char="•"/>
             </a:pPr>
             <a:r>
-              <a:rPr lang="en-US" sz="2400" dirty="0">
-                <a:hlinkClick r:id="rId2"/>
-              </a:rPr>
-              <a:t>https://github.com/tk427</a:t>
+              <a:rPr lang="en-US" sz="2400" dirty="0"/>
+              <a:t>/</a:t>
             </a:r>
             <a:endParaRPr lang="en-US" dirty="0"/>
           </a:p>
@@ -11535,7 +11586,7 @@
         <p:spPr>
           <a:xfrm>
             <a:off x="278296" y="318052"/>
-            <a:ext cx="11781182" cy="3323987"/>
+            <a:ext cx="11781182" cy="3046988"/>
           </a:xfrm>
           <a:prstGeom prst="rect">
             <a:avLst/>
@@ -11576,7 +11627,7 @@
             </a:r>
           </a:p>
           <a:p>
-            <a:pPr marL="1028700" lvl="1" indent="-571500">
+            <a:pPr marL="571500" indent="-571500">
               <a:buFont typeface="Arial" panose="020B0604020202020204" pitchFamily="34" charset="0"/>
               <a:buChar char="•"/>
             </a:pPr>
@@ -11584,12 +11635,9 @@
               <a:rPr lang="en-US" sz="2400">
                 <a:hlinkClick r:id="rId2"/>
               </a:rPr>
-              <a:t>https://github.com/tk427</a:t>
+              <a:t>https://github.com/tk427/PS_LL</a:t>
             </a:r>
             <a:endParaRPr lang="en-US" sz="2400"/>
-          </a:p>
-          <a:p>
-            <a:endParaRPr lang="en-US" dirty="0"/>
           </a:p>
         </p:txBody>
       </p:sp>
